--- a/Soutenance/Soutenance.pptx
+++ b/Soutenance/Soutenance.pptx
@@ -2,10 +2,10 @@
 <file path=ppt/presentation.xml><?xml version="1.0" encoding="utf-8"?>
 <p:presentation xmlns:a="http://schemas.openxmlformats.org/drawingml/2006/main" xmlns:r="http://schemas.openxmlformats.org/officeDocument/2006/relationships" xmlns:p="http://schemas.openxmlformats.org/presentationml/2006/main" showSpecialPlsOnTitleSld="0" autoCompressPictures="0">
   <p:sldMasterIdLst>
-    <p:sldMasterId id="2147483776" r:id="rId1"/>
+    <p:sldMasterId id="2147483830" r:id="rId1"/>
   </p:sldMasterIdLst>
   <p:notesMasterIdLst>
-    <p:notesMasterId r:id="rId7"/>
+    <p:notesMasterId r:id="rId8"/>
   </p:notesMasterIdLst>
   <p:sldIdLst>
     <p:sldId id="256" r:id="rId2"/>
@@ -13,6 +13,7 @@
     <p:sldId id="260" r:id="rId4"/>
     <p:sldId id="258" r:id="rId5"/>
     <p:sldId id="259" r:id="rId6"/>
+    <p:sldId id="261" r:id="rId7"/>
   </p:sldIdLst>
   <p:sldSz cx="12192000" cy="6858000"/>
   <p:notesSz cx="6858000" cy="9144000"/>
@@ -111,6 +112,11 @@
       </a:defRPr>
     </a:lvl9pPr>
   </p:defaultTextStyle>
+  <p:extLst>
+    <p:ext uri="{EFAFB233-063F-42B5-8137-9DF3F51BA10A}">
+      <p15:sldGuideLst xmlns:p15="http://schemas.microsoft.com/office/powerpoint/2012/main"/>
+    </p:ext>
+  </p:extLst>
 </p:presentation>
 </file>
 
@@ -163,7 +169,7 @@
             </a:lvl1pPr>
           </a:lstStyle>
           <a:p>
-            <a:endParaRPr lang="fr-FR"/>
+            <a:endParaRPr lang="fr-FR" dirty="0"/>
           </a:p>
         </p:txBody>
       </p:sp>
@@ -198,7 +204,7 @@
               <a:rPr lang="fr-FR" smtClean="0"/>
               <a:t>15/01/2015</a:t>
             </a:fld>
-            <a:endParaRPr lang="fr-FR"/>
+            <a:endParaRPr lang="fr-FR" dirty="0"/>
           </a:p>
         </p:txBody>
       </p:sp>
@@ -231,7 +237,7 @@
           <a:bodyPr vert="horz" lIns="91440" tIns="45720" rIns="91440" bIns="45720" rtlCol="0" anchor="ctr"/>
           <a:lstStyle/>
           <a:p>
-            <a:endParaRPr lang="fr-FR"/>
+            <a:endParaRPr lang="fr-FR" dirty="0"/>
           </a:p>
         </p:txBody>
       </p:sp>
@@ -322,7 +328,7 @@
             </a:lvl1pPr>
           </a:lstStyle>
           <a:p>
-            <a:endParaRPr lang="fr-FR"/>
+            <a:endParaRPr lang="fr-FR" dirty="0"/>
           </a:p>
         </p:txBody>
       </p:sp>
@@ -357,7 +363,7 @@
               <a:rPr lang="fr-FR" smtClean="0"/>
               <a:t>‹N°›</a:t>
             </a:fld>
-            <a:endParaRPr lang="fr-FR"/>
+            <a:endParaRPr lang="fr-FR" dirty="0"/>
           </a:p>
         </p:txBody>
       </p:sp>
@@ -508,7 +514,7 @@
           <a:bodyPr/>
           <a:lstStyle/>
           <a:p>
-            <a:endParaRPr lang="fr-FR"/>
+            <a:endParaRPr lang="fr-FR" dirty="0"/>
           </a:p>
         </p:txBody>
       </p:sp>
@@ -531,7 +537,7 @@
               <a:rPr lang="fr-FR" smtClean="0"/>
               <a:t>1</a:t>
             </a:fld>
-            <a:endParaRPr lang="fr-FR"/>
+            <a:endParaRPr lang="fr-FR" dirty="0"/>
           </a:p>
         </p:txBody>
       </p:sp>
@@ -1168,7 +1174,7 @@
     </p:spTree>
     <p:extLst>
       <p:ext uri="{BB962C8B-B14F-4D97-AF65-F5344CB8AC3E}">
-        <p14:creationId xmlns:p14="http://schemas.microsoft.com/office/powerpoint/2010/main" val="1008350270"/>
+        <p14:creationId xmlns:p14="http://schemas.microsoft.com/office/powerpoint/2010/main" val="4252630928"/>
       </p:ext>
     </p:extLst>
   </p:cSld>
@@ -2127,7 +2133,7 @@
     </p:spTree>
     <p:extLst>
       <p:ext uri="{BB962C8B-B14F-4D97-AF65-F5344CB8AC3E}">
-        <p14:creationId xmlns:p14="http://schemas.microsoft.com/office/powerpoint/2010/main" val="2828753365"/>
+        <p14:creationId xmlns:p14="http://schemas.microsoft.com/office/powerpoint/2010/main" val="1032414271"/>
       </p:ext>
     </p:extLst>
   </p:cSld>
@@ -2999,7 +3005,7 @@
     </p:spTree>
     <p:extLst>
       <p:ext uri="{BB962C8B-B14F-4D97-AF65-F5344CB8AC3E}">
-        <p14:creationId xmlns:p14="http://schemas.microsoft.com/office/powerpoint/2010/main" val="3717697037"/>
+        <p14:creationId xmlns:p14="http://schemas.microsoft.com/office/powerpoint/2010/main" val="165395452"/>
       </p:ext>
     </p:extLst>
   </p:cSld>
@@ -4021,7 +4027,7 @@
     </p:spTree>
     <p:extLst>
       <p:ext uri="{BB962C8B-B14F-4D97-AF65-F5344CB8AC3E}">
-        <p14:creationId xmlns:p14="http://schemas.microsoft.com/office/powerpoint/2010/main" val="3279874462"/>
+        <p14:creationId xmlns:p14="http://schemas.microsoft.com/office/powerpoint/2010/main" val="1078461434"/>
       </p:ext>
     </p:extLst>
   </p:cSld>
@@ -4942,7 +4948,7 @@
     </p:spTree>
     <p:extLst>
       <p:ext uri="{BB962C8B-B14F-4D97-AF65-F5344CB8AC3E}">
-        <p14:creationId xmlns:p14="http://schemas.microsoft.com/office/powerpoint/2010/main" val="445239876"/>
+        <p14:creationId xmlns:p14="http://schemas.microsoft.com/office/powerpoint/2010/main" val="2083100202"/>
       </p:ext>
     </p:extLst>
   </p:cSld>
@@ -5563,7 +5569,7 @@
     </p:spTree>
     <p:extLst>
       <p:ext uri="{BB962C8B-B14F-4D97-AF65-F5344CB8AC3E}">
-        <p14:creationId xmlns:p14="http://schemas.microsoft.com/office/powerpoint/2010/main" val="2890785955"/>
+        <p14:creationId xmlns:p14="http://schemas.microsoft.com/office/powerpoint/2010/main" val="2142107027"/>
       </p:ext>
     </p:extLst>
   </p:cSld>
@@ -6422,7 +6428,7 @@
     </p:spTree>
     <p:extLst>
       <p:ext uri="{BB962C8B-B14F-4D97-AF65-F5344CB8AC3E}">
-        <p14:creationId xmlns:p14="http://schemas.microsoft.com/office/powerpoint/2010/main" val="3901809359"/>
+        <p14:creationId xmlns:p14="http://schemas.microsoft.com/office/powerpoint/2010/main" val="4030494981"/>
       </p:ext>
     </p:extLst>
   </p:cSld>
@@ -6606,7 +6612,7 @@
     </p:spTree>
     <p:extLst>
       <p:ext uri="{BB962C8B-B14F-4D97-AF65-F5344CB8AC3E}">
-        <p14:creationId xmlns:p14="http://schemas.microsoft.com/office/powerpoint/2010/main" val="2669711498"/>
+        <p14:creationId xmlns:p14="http://schemas.microsoft.com/office/powerpoint/2010/main" val="1958381948"/>
       </p:ext>
     </p:extLst>
   </p:cSld>
@@ -7500,7 +7506,7 @@
     </p:spTree>
     <p:extLst>
       <p:ext uri="{BB962C8B-B14F-4D97-AF65-F5344CB8AC3E}">
-        <p14:creationId xmlns:p14="http://schemas.microsoft.com/office/powerpoint/2010/main" val="1533778913"/>
+        <p14:creationId xmlns:p14="http://schemas.microsoft.com/office/powerpoint/2010/main" val="1021224456"/>
       </p:ext>
     </p:extLst>
   </p:cSld>
@@ -7687,7 +7693,7 @@
     </p:spTree>
     <p:extLst>
       <p:ext uri="{BB962C8B-B14F-4D97-AF65-F5344CB8AC3E}">
-        <p14:creationId xmlns:p14="http://schemas.microsoft.com/office/powerpoint/2010/main" val="1651553751"/>
+        <p14:creationId xmlns:p14="http://schemas.microsoft.com/office/powerpoint/2010/main" val="2910616752"/>
       </p:ext>
     </p:extLst>
   </p:cSld>
@@ -8649,7 +8655,7 @@
     </p:spTree>
     <p:extLst>
       <p:ext uri="{BB962C8B-B14F-4D97-AF65-F5344CB8AC3E}">
-        <p14:creationId xmlns:p14="http://schemas.microsoft.com/office/powerpoint/2010/main" val="182762273"/>
+        <p14:creationId xmlns:p14="http://schemas.microsoft.com/office/powerpoint/2010/main" val="1248698109"/>
       </p:ext>
     </p:extLst>
   </p:cSld>
@@ -8893,7 +8899,7 @@
     </p:spTree>
     <p:extLst>
       <p:ext uri="{BB962C8B-B14F-4D97-AF65-F5344CB8AC3E}">
-        <p14:creationId xmlns:p14="http://schemas.microsoft.com/office/powerpoint/2010/main" val="1622335260"/>
+        <p14:creationId xmlns:p14="http://schemas.microsoft.com/office/powerpoint/2010/main" val="21921632"/>
       </p:ext>
     </p:extLst>
   </p:cSld>
@@ -9284,7 +9290,7 @@
     </p:spTree>
     <p:extLst>
       <p:ext uri="{BB962C8B-B14F-4D97-AF65-F5344CB8AC3E}">
-        <p14:creationId xmlns:p14="http://schemas.microsoft.com/office/powerpoint/2010/main" val="2446242873"/>
+        <p14:creationId xmlns:p14="http://schemas.microsoft.com/office/powerpoint/2010/main" val="916151518"/>
       </p:ext>
     </p:extLst>
   </p:cSld>
@@ -9411,7 +9417,7 @@
     </p:spTree>
     <p:extLst>
       <p:ext uri="{BB962C8B-B14F-4D97-AF65-F5344CB8AC3E}">
-        <p14:creationId xmlns:p14="http://schemas.microsoft.com/office/powerpoint/2010/main" val="174502623"/>
+        <p14:creationId xmlns:p14="http://schemas.microsoft.com/office/powerpoint/2010/main" val="3214505526"/>
       </p:ext>
     </p:extLst>
   </p:cSld>
@@ -9543,7 +9549,7 @@
     </p:spTree>
     <p:extLst>
       <p:ext uri="{BB962C8B-B14F-4D97-AF65-F5344CB8AC3E}">
-        <p14:creationId xmlns:p14="http://schemas.microsoft.com/office/powerpoint/2010/main" val="2917318699"/>
+        <p14:creationId xmlns:p14="http://schemas.microsoft.com/office/powerpoint/2010/main" val="1853243379"/>
       </p:ext>
     </p:extLst>
   </p:cSld>
@@ -10514,7 +10520,7 @@
     </p:spTree>
     <p:extLst>
       <p:ext uri="{BB962C8B-B14F-4D97-AF65-F5344CB8AC3E}">
-        <p14:creationId xmlns:p14="http://schemas.microsoft.com/office/powerpoint/2010/main" val="4070949262"/>
+        <p14:creationId xmlns:p14="http://schemas.microsoft.com/office/powerpoint/2010/main" val="407531610"/>
       </p:ext>
     </p:extLst>
   </p:cSld>
@@ -11510,7 +11516,7 @@
     </p:spTree>
     <p:extLst>
       <p:ext uri="{BB962C8B-B14F-4D97-AF65-F5344CB8AC3E}">
-        <p14:creationId xmlns:p14="http://schemas.microsoft.com/office/powerpoint/2010/main" val="266556592"/>
+        <p14:creationId xmlns:p14="http://schemas.microsoft.com/office/powerpoint/2010/main" val="1586920844"/>
       </p:ext>
     </p:extLst>
   </p:cSld>
@@ -12427,29 +12433,29 @@
     </p:spTree>
     <p:extLst>
       <p:ext uri="{BB962C8B-B14F-4D97-AF65-F5344CB8AC3E}">
-        <p14:creationId xmlns:p14="http://schemas.microsoft.com/office/powerpoint/2010/main" val="2699672164"/>
+        <p14:creationId xmlns:p14="http://schemas.microsoft.com/office/powerpoint/2010/main" val="1287767950"/>
       </p:ext>
     </p:extLst>
   </p:cSld>
   <p:clrMap bg1="lt1" tx1="dk1" bg2="lt2" tx2="dk2" accent1="accent1" accent2="accent2" accent3="accent3" accent4="accent4" accent5="accent5" accent6="accent6" hlink="hlink" folHlink="folHlink"/>
   <p:sldLayoutIdLst>
-    <p:sldLayoutId id="2147483777" r:id="rId1"/>
-    <p:sldLayoutId id="2147483778" r:id="rId2"/>
-    <p:sldLayoutId id="2147483779" r:id="rId3"/>
-    <p:sldLayoutId id="2147483780" r:id="rId4"/>
-    <p:sldLayoutId id="2147483781" r:id="rId5"/>
-    <p:sldLayoutId id="2147483782" r:id="rId6"/>
-    <p:sldLayoutId id="2147483783" r:id="rId7"/>
-    <p:sldLayoutId id="2147483784" r:id="rId8"/>
-    <p:sldLayoutId id="2147483785" r:id="rId9"/>
-    <p:sldLayoutId id="2147483786" r:id="rId10"/>
-    <p:sldLayoutId id="2147483787" r:id="rId11"/>
-    <p:sldLayoutId id="2147483788" r:id="rId12"/>
-    <p:sldLayoutId id="2147483789" r:id="rId13"/>
-    <p:sldLayoutId id="2147483790" r:id="rId14"/>
-    <p:sldLayoutId id="2147483791" r:id="rId15"/>
-    <p:sldLayoutId id="2147483792" r:id="rId16"/>
-    <p:sldLayoutId id="2147483793" r:id="rId17"/>
+    <p:sldLayoutId id="2147483831" r:id="rId1"/>
+    <p:sldLayoutId id="2147483832" r:id="rId2"/>
+    <p:sldLayoutId id="2147483833" r:id="rId3"/>
+    <p:sldLayoutId id="2147483834" r:id="rId4"/>
+    <p:sldLayoutId id="2147483835" r:id="rId5"/>
+    <p:sldLayoutId id="2147483836" r:id="rId6"/>
+    <p:sldLayoutId id="2147483837" r:id="rId7"/>
+    <p:sldLayoutId id="2147483838" r:id="rId8"/>
+    <p:sldLayoutId id="2147483839" r:id="rId9"/>
+    <p:sldLayoutId id="2147483840" r:id="rId10"/>
+    <p:sldLayoutId id="2147483841" r:id="rId11"/>
+    <p:sldLayoutId id="2147483842" r:id="rId12"/>
+    <p:sldLayoutId id="2147483843" r:id="rId13"/>
+    <p:sldLayoutId id="2147483844" r:id="rId14"/>
+    <p:sldLayoutId id="2147483845" r:id="rId15"/>
+    <p:sldLayoutId id="2147483846" r:id="rId16"/>
+    <p:sldLayoutId id="2147483847" r:id="rId17"/>
   </p:sldLayoutIdLst>
   <p:hf hdr="0" ftr="0" dt="0"/>
   <p:txStyles>
@@ -12944,6 +12950,13 @@
   <p:clrMapOvr>
     <a:masterClrMapping/>
   </p:clrMapOvr>
+  <p:timing>
+    <p:tnLst>
+      <p:par>
+        <p:cTn id="1" dur="indefinite" restart="never" nodeType="tmRoot"/>
+      </p:par>
+    </p:tnLst>
+  </p:timing>
 </p:sld>
 </file>
 
@@ -13045,6 +13058,13 @@
   <p:clrMapOvr>
     <a:masterClrMapping/>
   </p:clrMapOvr>
+  <p:timing>
+    <p:tnLst>
+      <p:par>
+        <p:cTn id="1" dur="indefinite" restart="never" nodeType="tmRoot"/>
+      </p:par>
+    </p:tnLst>
+  </p:timing>
 </p:sld>
 </file>
 
@@ -13140,6 +13160,13 @@
   <p:clrMapOvr>
     <a:masterClrMapping/>
   </p:clrMapOvr>
+  <p:timing>
+    <p:tnLst>
+      <p:par>
+        <p:cTn id="1" dur="indefinite" restart="never" nodeType="tmRoot"/>
+      </p:par>
+    </p:tnLst>
+  </p:timing>
 </p:sld>
 </file>
 
@@ -13198,7 +13225,7 @@
           <a:bodyPr/>
           <a:lstStyle/>
           <a:p>
-            <a:endParaRPr lang="fr-FR"/>
+            <a:endParaRPr lang="fr-FR" dirty="0"/>
           </a:p>
         </p:txBody>
       </p:sp>
@@ -13235,6 +13262,13 @@
   <p:clrMapOvr>
     <a:masterClrMapping/>
   </p:clrMapOvr>
+  <p:timing>
+    <p:tnLst>
+      <p:par>
+        <p:cTn id="1" dur="indefinite" restart="never" nodeType="tmRoot"/>
+      </p:par>
+    </p:tnLst>
+  </p:timing>
 </p:sld>
 </file>
 
@@ -13294,12 +13328,40 @@
           <a:lstStyle/>
           <a:p>
             <a:r>
-              <a:rPr lang="fr-FR" smtClean="0"/>
-              <a:t>Utilisation de WPF </a:t>
+              <a:rPr lang="fr-FR" dirty="0" smtClean="0"/>
+              <a:t>Utilisation de </a:t>
             </a:r>
-          </a:p>
-          <a:p>
-            <a:endParaRPr lang="fr-FR"/>
+            <a:r>
+              <a:rPr lang="fr-FR" dirty="0" smtClean="0"/>
+              <a:t>WPF</a:t>
+            </a:r>
+          </a:p>
+          <a:p>
+            <a:endParaRPr lang="fr-FR" dirty="0"/>
+          </a:p>
+          <a:p>
+            <a:r>
+              <a:rPr lang="fr-FR" dirty="0" smtClean="0"/>
+              <a:t>Structure de l’application </a:t>
+            </a:r>
+          </a:p>
+          <a:p>
+            <a:pPr lvl="1"/>
+            <a:r>
+              <a:rPr lang="fr-FR" dirty="0" smtClean="0"/>
+              <a:t>Fenêtre principale</a:t>
+            </a:r>
+          </a:p>
+          <a:p>
+            <a:pPr lvl="1"/>
+            <a:r>
+              <a:rPr lang="fr-FR" dirty="0" smtClean="0"/>
+              <a:t>Plusieurs pages selon l’affichage désiré </a:t>
+            </a:r>
+            <a:endParaRPr lang="fr-FR" dirty="0" smtClean="0"/>
+          </a:p>
+          <a:p>
+            <a:endParaRPr lang="fr-FR" dirty="0"/>
           </a:p>
         </p:txBody>
       </p:sp>
@@ -13330,6 +13392,108 @@
     <p:extLst>
       <p:ext uri="{BB962C8B-B14F-4D97-AF65-F5344CB8AC3E}">
         <p14:creationId xmlns:p14="http://schemas.microsoft.com/office/powerpoint/2010/main" val="1441798541"/>
+      </p:ext>
+    </p:extLst>
+  </p:cSld>
+  <p:clrMapOvr>
+    <a:masterClrMapping/>
+  </p:clrMapOvr>
+  <p:timing>
+    <p:tnLst>
+      <p:par>
+        <p:cTn id="1" dur="indefinite" restart="never" nodeType="tmRoot"/>
+      </p:par>
+    </p:tnLst>
+  </p:timing>
+</p:sld>
+</file>
+
+<file path=ppt/slides/slide6.xml><?xml version="1.0" encoding="utf-8"?>
+<p:sld xmlns:a="http://schemas.openxmlformats.org/drawingml/2006/main" xmlns:r="http://schemas.openxmlformats.org/officeDocument/2006/relationships" xmlns:p="http://schemas.openxmlformats.org/presentationml/2006/main">
+  <p:cSld>
+    <p:spTree>
+      <p:nvGrpSpPr>
+        <p:cNvPr id="1" name=""/>
+        <p:cNvGrpSpPr/>
+        <p:nvPr/>
+      </p:nvGrpSpPr>
+      <p:grpSpPr>
+        <a:xfrm>
+          <a:off x="0" y="0"/>
+          <a:ext cx="0" cy="0"/>
+          <a:chOff x="0" y="0"/>
+          <a:chExt cx="0" cy="0"/>
+        </a:xfrm>
+      </p:grpSpPr>
+      <p:sp>
+        <p:nvSpPr>
+          <p:cNvPr id="2" name="Titre 1"/>
+          <p:cNvSpPr>
+            <a:spLocks noGrp="1"/>
+          </p:cNvSpPr>
+          <p:nvPr>
+            <p:ph type="title"/>
+          </p:nvPr>
+        </p:nvSpPr>
+        <p:spPr/>
+        <p:txBody>
+          <a:bodyPr/>
+          <a:lstStyle/>
+          <a:p>
+            <a:r>
+              <a:rPr lang="fr-FR" smtClean="0"/>
+              <a:t>Conclusion</a:t>
+            </a:r>
+            <a:endParaRPr lang="fr-FR"/>
+          </a:p>
+        </p:txBody>
+      </p:sp>
+      <p:sp>
+        <p:nvSpPr>
+          <p:cNvPr id="3" name="Espace réservé du contenu 2"/>
+          <p:cNvSpPr>
+            <a:spLocks noGrp="1"/>
+          </p:cNvSpPr>
+          <p:nvPr>
+            <p:ph idx="1"/>
+          </p:nvPr>
+        </p:nvSpPr>
+        <p:spPr/>
+        <p:txBody>
+          <a:bodyPr/>
+          <a:lstStyle/>
+          <a:p>
+            <a:endParaRPr lang="fr-FR"/>
+          </a:p>
+        </p:txBody>
+      </p:sp>
+      <p:sp>
+        <p:nvSpPr>
+          <p:cNvPr id="4" name="Espace réservé du numéro de diapositive 3"/>
+          <p:cNvSpPr>
+            <a:spLocks noGrp="1"/>
+          </p:cNvSpPr>
+          <p:nvPr>
+            <p:ph type="sldNum" sz="quarter" idx="12"/>
+          </p:nvPr>
+        </p:nvSpPr>
+        <p:spPr/>
+        <p:txBody>
+          <a:bodyPr/>
+          <a:lstStyle/>
+          <a:p>
+            <a:fld id="{519954A3-9DFD-4C44-94BA-B95130A3BA1C}" type="slidenum">
+              <a:rPr lang="en-US" smtClean="0"/>
+              <a:t>6</a:t>
+            </a:fld>
+            <a:endParaRPr lang="en-US" dirty="0"/>
+          </a:p>
+        </p:txBody>
+      </p:sp>
+    </p:spTree>
+    <p:extLst>
+      <p:ext uri="{BB962C8B-B14F-4D97-AF65-F5344CB8AC3E}">
+        <p14:creationId xmlns:p14="http://schemas.microsoft.com/office/powerpoint/2010/main" val="3592780976"/>
       </p:ext>
     </p:extLst>
   </p:cSld>
